--- a/2021/2021-04-30-friday-training-python-beyond basics.pptx
+++ b/2021/2021-04-30-friday-training-python-beyond basics.pptx
@@ -27,11 +27,11 @@
     <p:sldId id="404" r:id="rId15"/>
     <p:sldId id="402" r:id="rId16"/>
     <p:sldId id="396" r:id="rId17"/>
-    <p:sldId id="397" r:id="rId18"/>
-    <p:sldId id="399" r:id="rId19"/>
-    <p:sldId id="398" r:id="rId20"/>
-    <p:sldId id="400" r:id="rId21"/>
-    <p:sldId id="401" r:id="rId22"/>
+    <p:sldId id="399" r:id="rId18"/>
+    <p:sldId id="398" r:id="rId19"/>
+    <p:sldId id="400" r:id="rId20"/>
+    <p:sldId id="401" r:id="rId21"/>
+    <p:sldId id="397" r:id="rId22"/>
     <p:sldId id="406" r:id="rId23"/>
     <p:sldId id="405" r:id="rId24"/>
     <p:sldId id="407" r:id="rId25"/>
@@ -187,11 +187,11 @@
             <p14:sldId id="404"/>
             <p14:sldId id="402"/>
             <p14:sldId id="396"/>
-            <p14:sldId id="397"/>
             <p14:sldId id="399"/>
             <p14:sldId id="398"/>
             <p14:sldId id="400"/>
             <p14:sldId id="401"/>
+            <p14:sldId id="397"/>
             <p14:sldId id="406"/>
             <p14:sldId id="405"/>
             <p14:sldId id="407"/>
@@ -349,7 +349,7 @@
           <a:p>
             <a:fld id="{B442ADD3-0C2D-49E8-BC2A-8F82586A0ECB}" type="datetimeFigureOut">
               <a:rPr lang="en-GB" smtClean="0"/>
-              <a:t>30/04/2021</a:t>
+              <a:t>24/05/2021</a:t>
             </a:fld>
             <a:endParaRPr lang="en-GB"/>
           </a:p>
@@ -526,7 +526,7 @@
           <a:p>
             <a:fld id="{D2DA50C0-49D4-4945-9D5D-054548C22B91}" type="datetimeFigureOut">
               <a:rPr lang="en-GB" smtClean="0"/>
-              <a:t>30/04/2021</a:t>
+              <a:t>24/05/2021</a:t>
             </a:fld>
             <a:endParaRPr lang="en-GB"/>
           </a:p>
@@ -994,7 +994,7 @@
           <a:p>
             <a:fld id="{083E4769-3E94-5841-B95D-79FC70CACDAD}" type="datetimeFigureOut">
               <a:rPr lang="en-US" smtClean="0"/>
-              <a:t>4/30/2021</a:t>
+              <a:t>5/24/2021</a:t>
             </a:fld>
             <a:endParaRPr lang="en-US"/>
           </a:p>
@@ -1338,7 +1338,7 @@
           <a:p>
             <a:fld id="{083E4769-3E94-5841-B95D-79FC70CACDAD}" type="datetimeFigureOut">
               <a:rPr lang="en-US" smtClean="0"/>
-              <a:t>4/30/2021</a:t>
+              <a:t>5/24/2021</a:t>
             </a:fld>
             <a:endParaRPr lang="en-US"/>
           </a:p>
@@ -1659,7 +1659,7 @@
           <a:p>
             <a:fld id="{083E4769-3E94-5841-B95D-79FC70CACDAD}" type="datetimeFigureOut">
               <a:rPr lang="en-US" smtClean="0"/>
-              <a:t>4/30/2021</a:t>
+              <a:t>5/24/2021</a:t>
             </a:fld>
             <a:endParaRPr lang="en-US"/>
           </a:p>
@@ -1832,7 +1832,7 @@
           <a:p>
             <a:fld id="{083E4769-3E94-5841-B95D-79FC70CACDAD}" type="datetimeFigureOut">
               <a:rPr lang="en-US" smtClean="0"/>
-              <a:t>4/30/2021</a:t>
+              <a:t>5/24/2021</a:t>
             </a:fld>
             <a:endParaRPr lang="en-US"/>
           </a:p>
@@ -1969,7 +1969,7 @@
           <a:p>
             <a:fld id="{083E4769-3E94-5841-B95D-79FC70CACDAD}" type="datetimeFigureOut">
               <a:rPr lang="en-US" smtClean="0"/>
-              <a:t>4/30/2021</a:t>
+              <a:t>5/24/2021</a:t>
             </a:fld>
             <a:endParaRPr lang="en-US"/>
           </a:p>
@@ -2574,7 +2574,7 @@
           <a:p>
             <a:fld id="{083E4769-3E94-5841-B95D-79FC70CACDAD}" type="datetimeFigureOut">
               <a:rPr lang="en-US" smtClean="0"/>
-              <a:t>4/30/2021</a:t>
+              <a:t>5/24/2021</a:t>
             </a:fld>
             <a:endParaRPr lang="en-US"/>
           </a:p>
@@ -2879,7 +2879,7 @@
           <a:p>
             <a:fld id="{083E4769-3E94-5841-B95D-79FC70CACDAD}" type="datetimeFigureOut">
               <a:rPr lang="en-US" smtClean="0"/>
-              <a:t>4/30/2021</a:t>
+              <a:t>5/24/2021</a:t>
             </a:fld>
             <a:endParaRPr lang="en-US"/>
           </a:p>
@@ -3182,7 +3182,7 @@
           <a:p>
             <a:fld id="{083E4769-3E94-5841-B95D-79FC70CACDAD}" type="datetimeFigureOut">
               <a:rPr lang="en-US" smtClean="0"/>
-              <a:t>4/30/2021</a:t>
+              <a:t>5/24/2021</a:t>
             </a:fld>
             <a:endParaRPr lang="en-US"/>
           </a:p>
@@ -3633,7 +3633,7 @@
           <a:p>
             <a:fld id="{083E4769-3E94-5841-B95D-79FC70CACDAD}" type="datetimeFigureOut">
               <a:rPr lang="en-US" smtClean="0"/>
-              <a:t>4/30/2021</a:t>
+              <a:t>5/24/2021</a:t>
             </a:fld>
             <a:endParaRPr lang="en-US"/>
           </a:p>
@@ -3806,7 +3806,7 @@
           <a:p>
             <a:fld id="{083E4769-3E94-5841-B95D-79FC70CACDAD}" type="datetimeFigureOut">
               <a:rPr lang="en-US" smtClean="0"/>
-              <a:t>4/30/2021</a:t>
+              <a:t>5/24/2021</a:t>
             </a:fld>
             <a:endParaRPr lang="en-US"/>
           </a:p>
@@ -6593,382 +6593,6 @@
           <a:p>
             <a:r>
               <a:rPr lang="en-GB" dirty="0"/>
-              <a:t>Python : Abstract Base Class </a:t>
-            </a:r>
-            <a:br>
-              <a:rPr lang="en-GB" dirty="0"/>
-            </a:br>
-            <a:r>
-              <a:rPr lang="en-GB" dirty="0"/>
-              <a:t>Meta Commentary</a:t>
-            </a:r>
-          </a:p>
-        </p:txBody>
-      </p:sp>
-      <p:sp>
-        <p:nvSpPr>
-          <p:cNvPr id="4" name="Content Placeholder 2">
-            <a:extLst>
-              <a:ext uri="{FF2B5EF4-FFF2-40B4-BE49-F238E27FC236}">
-                <a16:creationId xmlns:a16="http://schemas.microsoft.com/office/drawing/2014/main" id="{5D6C6E00-DD25-4CD7-AFFE-B24A277D3AD5}"/>
-              </a:ext>
-            </a:extLst>
-          </p:cNvPr>
-          <p:cNvSpPr txBox="1">
-            <a:spLocks/>
-          </p:cNvSpPr>
-          <p:nvPr/>
-        </p:nvSpPr>
-        <p:spPr>
-          <a:xfrm>
-            <a:off x="838200" y="1825625"/>
-            <a:ext cx="10515600" cy="4351338"/>
-          </a:xfrm>
-          <a:prstGeom prst="rect">
-            <a:avLst/>
-          </a:prstGeom>
-        </p:spPr>
-        <p:txBody>
-          <a:bodyPr>
-            <a:normAutofit fontScale="92500" lnSpcReduction="20000"/>
-          </a:bodyPr>
-          <a:lstStyle>
-            <a:lvl1pPr marL="228600" indent="-228600" algn="l" defTabSz="914400" rtl="0" eaLnBrk="1" latinLnBrk="0" hangingPunct="1">
-              <a:lnSpc>
-                <a:spcPct val="90000"/>
-              </a:lnSpc>
-              <a:spcBef>
-                <a:spcPts val="1000"/>
-              </a:spcBef>
-              <a:buFont typeface="Arial" panose="020B0604020202020204" pitchFamily="34" charset="0"/>
-              <a:buChar char="•"/>
-              <a:defRPr sz="2800" kern="1200">
-                <a:solidFill>
-                  <a:schemeClr val="tx1"/>
-                </a:solidFill>
-                <a:latin typeface="+mn-lt"/>
-                <a:ea typeface="+mn-ea"/>
-                <a:cs typeface="+mn-cs"/>
-              </a:defRPr>
-            </a:lvl1pPr>
-            <a:lvl2pPr marL="685800" indent="-228600" algn="l" defTabSz="914400" rtl="0" eaLnBrk="1" latinLnBrk="0" hangingPunct="1">
-              <a:lnSpc>
-                <a:spcPct val="90000"/>
-              </a:lnSpc>
-              <a:spcBef>
-                <a:spcPts val="500"/>
-              </a:spcBef>
-              <a:buFont typeface="Arial" panose="020B0604020202020204" pitchFamily="34" charset="0"/>
-              <a:buChar char="•"/>
-              <a:defRPr sz="2400" kern="1200">
-                <a:solidFill>
-                  <a:schemeClr val="tx1"/>
-                </a:solidFill>
-                <a:latin typeface="+mn-lt"/>
-                <a:ea typeface="+mn-ea"/>
-                <a:cs typeface="+mn-cs"/>
-              </a:defRPr>
-            </a:lvl2pPr>
-            <a:lvl3pPr marL="1143000" indent="-228600" algn="l" defTabSz="914400" rtl="0" eaLnBrk="1" latinLnBrk="0" hangingPunct="1">
-              <a:lnSpc>
-                <a:spcPct val="90000"/>
-              </a:lnSpc>
-              <a:spcBef>
-                <a:spcPts val="500"/>
-              </a:spcBef>
-              <a:buFont typeface="Arial" panose="020B0604020202020204" pitchFamily="34" charset="0"/>
-              <a:buChar char="•"/>
-              <a:defRPr sz="2000" kern="1200">
-                <a:solidFill>
-                  <a:schemeClr val="tx1"/>
-                </a:solidFill>
-                <a:latin typeface="+mn-lt"/>
-                <a:ea typeface="+mn-ea"/>
-                <a:cs typeface="+mn-cs"/>
-              </a:defRPr>
-            </a:lvl3pPr>
-            <a:lvl4pPr marL="1600200" indent="-228600" algn="l" defTabSz="914400" rtl="0" eaLnBrk="1" latinLnBrk="0" hangingPunct="1">
-              <a:lnSpc>
-                <a:spcPct val="90000"/>
-              </a:lnSpc>
-              <a:spcBef>
-                <a:spcPts val="500"/>
-              </a:spcBef>
-              <a:buFont typeface="Arial" panose="020B0604020202020204" pitchFamily="34" charset="0"/>
-              <a:buChar char="•"/>
-              <a:defRPr sz="1800" kern="1200">
-                <a:solidFill>
-                  <a:schemeClr val="tx1"/>
-                </a:solidFill>
-                <a:latin typeface="+mn-lt"/>
-                <a:ea typeface="+mn-ea"/>
-                <a:cs typeface="+mn-cs"/>
-              </a:defRPr>
-            </a:lvl4pPr>
-            <a:lvl5pPr marL="2057400" indent="-228600" algn="l" defTabSz="914400" rtl="0" eaLnBrk="1" latinLnBrk="0" hangingPunct="1">
-              <a:lnSpc>
-                <a:spcPct val="90000"/>
-              </a:lnSpc>
-              <a:spcBef>
-                <a:spcPts val="500"/>
-              </a:spcBef>
-              <a:buFont typeface="Arial" panose="020B0604020202020204" pitchFamily="34" charset="0"/>
-              <a:buChar char="•"/>
-              <a:defRPr sz="1800" kern="1200">
-                <a:solidFill>
-                  <a:schemeClr val="tx1"/>
-                </a:solidFill>
-                <a:latin typeface="+mn-lt"/>
-                <a:ea typeface="+mn-ea"/>
-                <a:cs typeface="+mn-cs"/>
-              </a:defRPr>
-            </a:lvl5pPr>
-            <a:lvl6pPr marL="2514600" indent="-228600" algn="l" defTabSz="914400" rtl="0" eaLnBrk="1" latinLnBrk="0" hangingPunct="1">
-              <a:lnSpc>
-                <a:spcPct val="90000"/>
-              </a:lnSpc>
-              <a:spcBef>
-                <a:spcPts val="500"/>
-              </a:spcBef>
-              <a:buFont typeface="Arial" panose="020B0604020202020204" pitchFamily="34" charset="0"/>
-              <a:buChar char="•"/>
-              <a:defRPr sz="1800" kern="1200">
-                <a:solidFill>
-                  <a:schemeClr val="tx1"/>
-                </a:solidFill>
-                <a:latin typeface="+mn-lt"/>
-                <a:ea typeface="+mn-ea"/>
-                <a:cs typeface="+mn-cs"/>
-              </a:defRPr>
-            </a:lvl6pPr>
-            <a:lvl7pPr marL="2971800" indent="-228600" algn="l" defTabSz="914400" rtl="0" eaLnBrk="1" latinLnBrk="0" hangingPunct="1">
-              <a:lnSpc>
-                <a:spcPct val="90000"/>
-              </a:lnSpc>
-              <a:spcBef>
-                <a:spcPts val="500"/>
-              </a:spcBef>
-              <a:buFont typeface="Arial" panose="020B0604020202020204" pitchFamily="34" charset="0"/>
-              <a:buChar char="•"/>
-              <a:defRPr sz="1800" kern="1200">
-                <a:solidFill>
-                  <a:schemeClr val="tx1"/>
-                </a:solidFill>
-                <a:latin typeface="+mn-lt"/>
-                <a:ea typeface="+mn-ea"/>
-                <a:cs typeface="+mn-cs"/>
-              </a:defRPr>
-            </a:lvl7pPr>
-            <a:lvl8pPr marL="3429000" indent="-228600" algn="l" defTabSz="914400" rtl="0" eaLnBrk="1" latinLnBrk="0" hangingPunct="1">
-              <a:lnSpc>
-                <a:spcPct val="90000"/>
-              </a:lnSpc>
-              <a:spcBef>
-                <a:spcPts val="500"/>
-              </a:spcBef>
-              <a:buFont typeface="Arial" panose="020B0604020202020204" pitchFamily="34" charset="0"/>
-              <a:buChar char="•"/>
-              <a:defRPr sz="1800" kern="1200">
-                <a:solidFill>
-                  <a:schemeClr val="tx1"/>
-                </a:solidFill>
-                <a:latin typeface="+mn-lt"/>
-                <a:ea typeface="+mn-ea"/>
-                <a:cs typeface="+mn-cs"/>
-              </a:defRPr>
-            </a:lvl8pPr>
-            <a:lvl9pPr marL="3886200" indent="-228600" algn="l" defTabSz="914400" rtl="0" eaLnBrk="1" latinLnBrk="0" hangingPunct="1">
-              <a:lnSpc>
-                <a:spcPct val="90000"/>
-              </a:lnSpc>
-              <a:spcBef>
-                <a:spcPts val="500"/>
-              </a:spcBef>
-              <a:buFont typeface="Arial" panose="020B0604020202020204" pitchFamily="34" charset="0"/>
-              <a:buChar char="•"/>
-              <a:defRPr sz="1800" kern="1200">
-                <a:solidFill>
-                  <a:schemeClr val="tx1"/>
-                </a:solidFill>
-                <a:latin typeface="+mn-lt"/>
-                <a:ea typeface="+mn-ea"/>
-                <a:cs typeface="+mn-cs"/>
-              </a:defRPr>
-            </a:lvl9pPr>
-          </a:lstStyle>
-          <a:p>
-            <a:pPr marL="0" indent="0">
-              <a:buNone/>
-            </a:pPr>
-            <a:r>
-              <a:rPr lang="en-GB" dirty="0"/>
-              <a:t>Aka for example…</a:t>
-            </a:r>
-            <a:br>
-              <a:rPr lang="en-GB" dirty="0"/>
-            </a:br>
-            <a:br>
-              <a:rPr lang="en-GB" dirty="0"/>
-            </a:br>
-            <a:r>
-              <a:rPr lang="en-GB" dirty="0"/>
-              <a:t>Say I’m building a Scanning engine that can take multiple tools</a:t>
-            </a:r>
-          </a:p>
-          <a:p>
-            <a:pPr marL="0" indent="0">
-              <a:buNone/>
-            </a:pPr>
-            <a:r>
-              <a:rPr lang="en-GB" dirty="0"/>
-              <a:t>But I want to call the same functions for each tool</a:t>
-            </a:r>
-          </a:p>
-          <a:p>
-            <a:pPr marL="0" indent="0">
-              <a:buNone/>
-            </a:pPr>
-            <a:endParaRPr lang="en-GB" dirty="0"/>
-          </a:p>
-          <a:p>
-            <a:pPr marL="0" indent="0">
-              <a:buNone/>
-            </a:pPr>
-            <a:r>
-              <a:rPr lang="en-GB" dirty="0"/>
-              <a:t>Create </a:t>
-            </a:r>
-            <a:r>
-              <a:rPr lang="en-GB" dirty="0" err="1"/>
-              <a:t>AbstractTool</a:t>
-            </a:r>
-            <a:r>
-              <a:rPr lang="en-GB" dirty="0"/>
-              <a:t> Class with common callable functions</a:t>
-            </a:r>
-          </a:p>
-          <a:p>
-            <a:pPr marL="0" indent="0">
-              <a:buNone/>
-            </a:pPr>
-            <a:endParaRPr lang="en-GB" dirty="0"/>
-          </a:p>
-          <a:p>
-            <a:pPr marL="0" indent="0">
-              <a:buNone/>
-            </a:pPr>
-            <a:r>
-              <a:rPr lang="en-GB" dirty="0"/>
-              <a:t>Implement </a:t>
-            </a:r>
-            <a:r>
-              <a:rPr lang="en-GB" dirty="0" err="1"/>
-              <a:t>AbstractTool</a:t>
-            </a:r>
-            <a:r>
-              <a:rPr lang="en-GB" dirty="0"/>
-              <a:t> as say </a:t>
-            </a:r>
-            <a:r>
-              <a:rPr lang="en-GB" dirty="0" err="1"/>
-              <a:t>BlackDuckTool</a:t>
-            </a:r>
-            <a:r>
-              <a:rPr lang="en-GB" dirty="0"/>
-              <a:t>, </a:t>
-            </a:r>
-            <a:r>
-              <a:rPr lang="en-GB" dirty="0" err="1"/>
-              <a:t>SafetyTool</a:t>
-            </a:r>
-            <a:r>
-              <a:rPr lang="en-GB" dirty="0"/>
-              <a:t> and </a:t>
-            </a:r>
-            <a:r>
-              <a:rPr lang="en-GB" dirty="0" err="1"/>
-              <a:t>CheckmarksTool</a:t>
-            </a:r>
-            <a:endParaRPr lang="en-GB" dirty="0"/>
-          </a:p>
-          <a:p>
-            <a:pPr marL="0" indent="0">
-              <a:buNone/>
-            </a:pPr>
-            <a:endParaRPr lang="en-GB" dirty="0"/>
-          </a:p>
-          <a:p>
-            <a:pPr marL="0" indent="0">
-              <a:buNone/>
-            </a:pPr>
-            <a:r>
-              <a:rPr lang="en-GB" dirty="0"/>
-              <a:t>Then my code can accept </a:t>
-            </a:r>
-            <a:r>
-              <a:rPr lang="en-GB" dirty="0" err="1"/>
-              <a:t>AbstractTool</a:t>
-            </a:r>
-            <a:r>
-              <a:rPr lang="en-GB" dirty="0"/>
-              <a:t> and call the common functions, and each function is finished off in the Final Classes</a:t>
-            </a:r>
-          </a:p>
-        </p:txBody>
-      </p:sp>
-    </p:spTree>
-    <p:extLst>
-      <p:ext uri="{BB962C8B-B14F-4D97-AF65-F5344CB8AC3E}">
-        <p14:creationId xmlns:p14="http://schemas.microsoft.com/office/powerpoint/2010/main" val="2735373476"/>
-      </p:ext>
-    </p:extLst>
-  </p:cSld>
-  <p:clrMapOvr>
-    <a:masterClrMapping/>
-  </p:clrMapOvr>
-</p:sld>
-</file>
-
-<file path=ppt/slides/slide17.xml><?xml version="1.0" encoding="utf-8"?>
-<p:sld xmlns:a="http://schemas.openxmlformats.org/drawingml/2006/main" xmlns:r="http://schemas.openxmlformats.org/officeDocument/2006/relationships" xmlns:p="http://schemas.openxmlformats.org/presentationml/2006/main">
-  <p:cSld>
-    <p:spTree>
-      <p:nvGrpSpPr>
-        <p:cNvPr id="1" name=""/>
-        <p:cNvGrpSpPr/>
-        <p:nvPr/>
-      </p:nvGrpSpPr>
-      <p:grpSpPr>
-        <a:xfrm>
-          <a:off x="0" y="0"/>
-          <a:ext cx="0" cy="0"/>
-          <a:chOff x="0" y="0"/>
-          <a:chExt cx="0" cy="0"/>
-        </a:xfrm>
-      </p:grpSpPr>
-      <p:sp>
-        <p:nvSpPr>
-          <p:cNvPr id="3" name="Title 2">
-            <a:extLst>
-              <a:ext uri="{FF2B5EF4-FFF2-40B4-BE49-F238E27FC236}">
-                <a16:creationId xmlns:a16="http://schemas.microsoft.com/office/drawing/2014/main" id="{8B4FB6DD-FB6B-4506-B919-32AEEA5D066F}"/>
-              </a:ext>
-            </a:extLst>
-          </p:cNvPr>
-          <p:cNvSpPr>
-            <a:spLocks noGrp="1"/>
-          </p:cNvSpPr>
-          <p:nvPr>
-            <p:ph type="title"/>
-          </p:nvPr>
-        </p:nvSpPr>
-        <p:spPr/>
-        <p:txBody>
-          <a:bodyPr/>
-          <a:lstStyle/>
-          <a:p>
-            <a:r>
-              <a:rPr lang="en-GB" dirty="0"/>
               <a:t>Python : ABC in python</a:t>
             </a:r>
           </a:p>
@@ -7300,7 +6924,7 @@
 </p:sld>
 </file>
 
-<file path=ppt/slides/slide18.xml><?xml version="1.0" encoding="utf-8"?>
+<file path=ppt/slides/slide17.xml><?xml version="1.0" encoding="utf-8"?>
 <p:sld xmlns:a="http://schemas.openxmlformats.org/drawingml/2006/main" xmlns:r="http://schemas.openxmlformats.org/officeDocument/2006/relationships" xmlns:p="http://schemas.openxmlformats.org/presentationml/2006/main">
   <p:cSld>
     <p:spTree>
@@ -7677,7 +7301,7 @@
 </p:sld>
 </file>
 
-<file path=ppt/slides/slide19.xml><?xml version="1.0" encoding="utf-8"?>
+<file path=ppt/slides/slide18.xml><?xml version="1.0" encoding="utf-8"?>
 <p:sld xmlns:a="http://schemas.openxmlformats.org/drawingml/2006/main" xmlns:r="http://schemas.openxmlformats.org/officeDocument/2006/relationships" xmlns:p="http://schemas.openxmlformats.org/presentationml/2006/main">
   <p:cSld>
     <p:spTree>
@@ -8170,164 +7794,7 @@
 </p:sld>
 </file>
 
-<file path=ppt/slides/slide2.xml><?xml version="1.0" encoding="utf-8"?>
-<p:sld xmlns:a="http://schemas.openxmlformats.org/drawingml/2006/main" xmlns:r="http://schemas.openxmlformats.org/officeDocument/2006/relationships" xmlns:p="http://schemas.openxmlformats.org/presentationml/2006/main">
-  <p:cSld>
-    <p:spTree>
-      <p:nvGrpSpPr>
-        <p:cNvPr id="1" name=""/>
-        <p:cNvGrpSpPr/>
-        <p:nvPr/>
-      </p:nvGrpSpPr>
-      <p:grpSpPr>
-        <a:xfrm>
-          <a:off x="0" y="0"/>
-          <a:ext cx="0" cy="0"/>
-          <a:chOff x="0" y="0"/>
-          <a:chExt cx="0" cy="0"/>
-        </a:xfrm>
-      </p:grpSpPr>
-      <p:sp>
-        <p:nvSpPr>
-          <p:cNvPr id="2" name="Title 1">
-            <a:extLst>
-              <a:ext uri="{FF2B5EF4-FFF2-40B4-BE49-F238E27FC236}">
-                <a16:creationId xmlns:a16="http://schemas.microsoft.com/office/drawing/2014/main" id="{0D3868EA-E501-47CB-A0AE-ADF7A33D9D55}"/>
-              </a:ext>
-            </a:extLst>
-          </p:cNvPr>
-          <p:cNvSpPr>
-            <a:spLocks noGrp="1"/>
-          </p:cNvSpPr>
-          <p:nvPr>
-            <p:ph type="title"/>
-          </p:nvPr>
-        </p:nvSpPr>
-        <p:spPr/>
-        <p:txBody>
-          <a:bodyPr/>
-          <a:lstStyle/>
-          <a:p>
-            <a:r>
-              <a:rPr lang="en-GB" dirty="0"/>
-              <a:t>Python beyond the basics</a:t>
-            </a:r>
-          </a:p>
-        </p:txBody>
-      </p:sp>
-      <p:sp>
-        <p:nvSpPr>
-          <p:cNvPr id="3" name="Content Placeholder 2">
-            <a:extLst>
-              <a:ext uri="{FF2B5EF4-FFF2-40B4-BE49-F238E27FC236}">
-                <a16:creationId xmlns:a16="http://schemas.microsoft.com/office/drawing/2014/main" id="{BED88C0C-9255-4328-9D09-0D4572FA1FDF}"/>
-              </a:ext>
-            </a:extLst>
-          </p:cNvPr>
-          <p:cNvSpPr>
-            <a:spLocks noGrp="1"/>
-          </p:cNvSpPr>
-          <p:nvPr>
-            <p:ph idx="1"/>
-          </p:nvPr>
-        </p:nvSpPr>
-        <p:spPr>
-          <a:xfrm>
-            <a:off x="838200" y="1825625"/>
-            <a:ext cx="10515600" cy="4667250"/>
-          </a:xfrm>
-        </p:spPr>
-        <p:txBody>
-          <a:bodyPr anchor="t">
-            <a:normAutofit lnSpcReduction="10000"/>
-          </a:bodyPr>
-          <a:lstStyle/>
-          <a:p>
-            <a:pPr marL="0" indent="0">
-              <a:buNone/>
-            </a:pPr>
-            <a:r>
-              <a:rPr lang="en-GB" sz="3600" dirty="0"/>
-              <a:t>Today we’ll cover :</a:t>
-            </a:r>
-          </a:p>
-          <a:p>
-            <a:pPr marL="342900" lvl="0" indent="-342900">
-              <a:buFont typeface="Calibri" panose="020F0502020204030204" pitchFamily="34" charset="0"/>
-              <a:buChar char="-"/>
-            </a:pPr>
-            <a:r>
-              <a:rPr lang="en-GB" sz="3600" dirty="0"/>
-              <a:t>Classes</a:t>
-            </a:r>
-          </a:p>
-          <a:p>
-            <a:pPr marL="342900" lvl="0" indent="-342900">
-              <a:buFont typeface="Calibri" panose="020F0502020204030204" pitchFamily="34" charset="0"/>
-              <a:buChar char="-"/>
-            </a:pPr>
-            <a:r>
-              <a:rPr lang="en-GB" sz="3600" dirty="0"/>
-              <a:t>Modules</a:t>
-            </a:r>
-          </a:p>
-          <a:p>
-            <a:pPr marL="342900" lvl="0" indent="-342900">
-              <a:buFont typeface="Calibri" panose="020F0502020204030204" pitchFamily="34" charset="0"/>
-              <a:buChar char="-"/>
-            </a:pPr>
-            <a:r>
-              <a:rPr lang="en-GB" sz="3600" dirty="0"/>
-              <a:t>Plugins</a:t>
-            </a:r>
-          </a:p>
-          <a:p>
-            <a:pPr marL="342900" lvl="0" indent="-342900">
-              <a:buFont typeface="Calibri" panose="020F0502020204030204" pitchFamily="34" charset="0"/>
-              <a:buChar char="-"/>
-            </a:pPr>
-            <a:endParaRPr lang="en-GB" sz="3600" dirty="0"/>
-          </a:p>
-          <a:p>
-            <a:pPr marL="0" lvl="0" indent="0">
-              <a:buNone/>
-            </a:pPr>
-            <a:r>
-              <a:rPr lang="en-GB" sz="3600" dirty="0"/>
-              <a:t>It’ll aim to cover the class portions of the official python tutorial</a:t>
-            </a:r>
-          </a:p>
-          <a:p>
-            <a:pPr marL="0" lvl="0" indent="0">
-              <a:buNone/>
-            </a:pPr>
-            <a:r>
-              <a:rPr lang="en-GB" sz="3600" dirty="0">
-                <a:hlinkClick r:id="rId2"/>
-              </a:rPr>
-              <a:t>https://docs.python.org/3/tutorial/</a:t>
-            </a:r>
-            <a:r>
-              <a:rPr lang="en-GB" sz="3600" dirty="0"/>
-              <a:t> </a:t>
-            </a:r>
-          </a:p>
-        </p:txBody>
-      </p:sp>
-    </p:spTree>
-    <p:extLst>
-      <p:ext uri="{BB962C8B-B14F-4D97-AF65-F5344CB8AC3E}">
-        <p14:creationId xmlns:p14="http://schemas.microsoft.com/office/powerpoint/2010/main" val="423855302"/>
-      </p:ext>
-    </p:extLst>
-  </p:cSld>
-  <p:clrMapOvr>
-    <a:masterClrMapping/>
-  </p:clrMapOvr>
-</p:sld>
-</file>
-
-<file path=ppt/slides/slide20.xml><?xml version="1.0" encoding="utf-8"?>
+<file path=ppt/slides/slide19.xml><?xml version="1.0" encoding="utf-8"?>
 <p:sld xmlns:a="http://schemas.openxmlformats.org/drawingml/2006/main" xmlns:r="http://schemas.openxmlformats.org/officeDocument/2006/relationships" xmlns:p="http://schemas.openxmlformats.org/presentationml/2006/main">
   <p:cSld>
     <p:spTree>
@@ -8716,6 +8183,539 @@
     <p:extLst>
       <p:ext uri="{BB962C8B-B14F-4D97-AF65-F5344CB8AC3E}">
         <p14:creationId xmlns:p14="http://schemas.microsoft.com/office/powerpoint/2010/main" val="1090575311"/>
+      </p:ext>
+    </p:extLst>
+  </p:cSld>
+  <p:clrMapOvr>
+    <a:masterClrMapping/>
+  </p:clrMapOvr>
+</p:sld>
+</file>
+
+<file path=ppt/slides/slide2.xml><?xml version="1.0" encoding="utf-8"?>
+<p:sld xmlns:a="http://schemas.openxmlformats.org/drawingml/2006/main" xmlns:r="http://schemas.openxmlformats.org/officeDocument/2006/relationships" xmlns:p="http://schemas.openxmlformats.org/presentationml/2006/main">
+  <p:cSld>
+    <p:spTree>
+      <p:nvGrpSpPr>
+        <p:cNvPr id="1" name=""/>
+        <p:cNvGrpSpPr/>
+        <p:nvPr/>
+      </p:nvGrpSpPr>
+      <p:grpSpPr>
+        <a:xfrm>
+          <a:off x="0" y="0"/>
+          <a:ext cx="0" cy="0"/>
+          <a:chOff x="0" y="0"/>
+          <a:chExt cx="0" cy="0"/>
+        </a:xfrm>
+      </p:grpSpPr>
+      <p:sp>
+        <p:nvSpPr>
+          <p:cNvPr id="2" name="Title 1">
+            <a:extLst>
+              <a:ext uri="{FF2B5EF4-FFF2-40B4-BE49-F238E27FC236}">
+                <a16:creationId xmlns:a16="http://schemas.microsoft.com/office/drawing/2014/main" id="{0D3868EA-E501-47CB-A0AE-ADF7A33D9D55}"/>
+              </a:ext>
+            </a:extLst>
+          </p:cNvPr>
+          <p:cNvSpPr>
+            <a:spLocks noGrp="1"/>
+          </p:cNvSpPr>
+          <p:nvPr>
+            <p:ph type="title"/>
+          </p:nvPr>
+        </p:nvSpPr>
+        <p:spPr/>
+        <p:txBody>
+          <a:bodyPr/>
+          <a:lstStyle/>
+          <a:p>
+            <a:r>
+              <a:rPr lang="en-GB" dirty="0"/>
+              <a:t>Python beyond the basics</a:t>
+            </a:r>
+          </a:p>
+        </p:txBody>
+      </p:sp>
+      <p:sp>
+        <p:nvSpPr>
+          <p:cNvPr id="3" name="Content Placeholder 2">
+            <a:extLst>
+              <a:ext uri="{FF2B5EF4-FFF2-40B4-BE49-F238E27FC236}">
+                <a16:creationId xmlns:a16="http://schemas.microsoft.com/office/drawing/2014/main" id="{BED88C0C-9255-4328-9D09-0D4572FA1FDF}"/>
+              </a:ext>
+            </a:extLst>
+          </p:cNvPr>
+          <p:cNvSpPr>
+            <a:spLocks noGrp="1"/>
+          </p:cNvSpPr>
+          <p:nvPr>
+            <p:ph idx="1"/>
+          </p:nvPr>
+        </p:nvSpPr>
+        <p:spPr>
+          <a:xfrm>
+            <a:off x="838200" y="1825625"/>
+            <a:ext cx="10515600" cy="4667250"/>
+          </a:xfrm>
+        </p:spPr>
+        <p:txBody>
+          <a:bodyPr anchor="t">
+            <a:normAutofit lnSpcReduction="10000"/>
+          </a:bodyPr>
+          <a:lstStyle/>
+          <a:p>
+            <a:pPr marL="0" indent="0">
+              <a:buNone/>
+            </a:pPr>
+            <a:r>
+              <a:rPr lang="en-GB" sz="3600" dirty="0"/>
+              <a:t>Today we’ll cover :</a:t>
+            </a:r>
+          </a:p>
+          <a:p>
+            <a:pPr marL="342900" lvl="0" indent="-342900">
+              <a:buFont typeface="Calibri" panose="020F0502020204030204" pitchFamily="34" charset="0"/>
+              <a:buChar char="-"/>
+            </a:pPr>
+            <a:r>
+              <a:rPr lang="en-GB" sz="3600" dirty="0"/>
+              <a:t>Classes</a:t>
+            </a:r>
+          </a:p>
+          <a:p>
+            <a:pPr marL="342900" lvl="0" indent="-342900">
+              <a:buFont typeface="Calibri" panose="020F0502020204030204" pitchFamily="34" charset="0"/>
+              <a:buChar char="-"/>
+            </a:pPr>
+            <a:r>
+              <a:rPr lang="en-GB" sz="3600" dirty="0"/>
+              <a:t>Modules</a:t>
+            </a:r>
+          </a:p>
+          <a:p>
+            <a:pPr marL="342900" lvl="0" indent="-342900">
+              <a:buFont typeface="Calibri" panose="020F0502020204030204" pitchFamily="34" charset="0"/>
+              <a:buChar char="-"/>
+            </a:pPr>
+            <a:r>
+              <a:rPr lang="en-GB" sz="3600" dirty="0"/>
+              <a:t>Plugins</a:t>
+            </a:r>
+          </a:p>
+          <a:p>
+            <a:pPr marL="342900" lvl="0" indent="-342900">
+              <a:buFont typeface="Calibri" panose="020F0502020204030204" pitchFamily="34" charset="0"/>
+              <a:buChar char="-"/>
+            </a:pPr>
+            <a:endParaRPr lang="en-GB" sz="3600" dirty="0"/>
+          </a:p>
+          <a:p>
+            <a:pPr marL="0" lvl="0" indent="0">
+              <a:buNone/>
+            </a:pPr>
+            <a:r>
+              <a:rPr lang="en-GB" sz="3600" dirty="0"/>
+              <a:t>It’ll aim to cover the class portions of the official python tutorial</a:t>
+            </a:r>
+          </a:p>
+          <a:p>
+            <a:pPr marL="0" lvl="0" indent="0">
+              <a:buNone/>
+            </a:pPr>
+            <a:r>
+              <a:rPr lang="en-GB" sz="3600" dirty="0">
+                <a:hlinkClick r:id="rId2"/>
+              </a:rPr>
+              <a:t>https://docs.python.org/3/tutorial/</a:t>
+            </a:r>
+            <a:r>
+              <a:rPr lang="en-GB" sz="3600" dirty="0"/>
+              <a:t> </a:t>
+            </a:r>
+          </a:p>
+        </p:txBody>
+      </p:sp>
+    </p:spTree>
+    <p:extLst>
+      <p:ext uri="{BB962C8B-B14F-4D97-AF65-F5344CB8AC3E}">
+        <p14:creationId xmlns:p14="http://schemas.microsoft.com/office/powerpoint/2010/main" val="423855302"/>
+      </p:ext>
+    </p:extLst>
+  </p:cSld>
+  <p:clrMapOvr>
+    <a:masterClrMapping/>
+  </p:clrMapOvr>
+</p:sld>
+</file>
+
+<file path=ppt/slides/slide20.xml><?xml version="1.0" encoding="utf-8"?>
+<p:sld xmlns:a="http://schemas.openxmlformats.org/drawingml/2006/main" xmlns:r="http://schemas.openxmlformats.org/officeDocument/2006/relationships" xmlns:p="http://schemas.openxmlformats.org/presentationml/2006/main">
+  <p:cSld>
+    <p:spTree>
+      <p:nvGrpSpPr>
+        <p:cNvPr id="1" name=""/>
+        <p:cNvGrpSpPr/>
+        <p:nvPr/>
+      </p:nvGrpSpPr>
+      <p:grpSpPr>
+        <a:xfrm>
+          <a:off x="0" y="0"/>
+          <a:ext cx="0" cy="0"/>
+          <a:chOff x="0" y="0"/>
+          <a:chExt cx="0" cy="0"/>
+        </a:xfrm>
+      </p:grpSpPr>
+      <p:sp>
+        <p:nvSpPr>
+          <p:cNvPr id="3" name="Title 2">
+            <a:extLst>
+              <a:ext uri="{FF2B5EF4-FFF2-40B4-BE49-F238E27FC236}">
+                <a16:creationId xmlns:a16="http://schemas.microsoft.com/office/drawing/2014/main" id="{8B4FB6DD-FB6B-4506-B919-32AEEA5D066F}"/>
+              </a:ext>
+            </a:extLst>
+          </p:cNvPr>
+          <p:cNvSpPr>
+            <a:spLocks noGrp="1"/>
+          </p:cNvSpPr>
+          <p:nvPr>
+            <p:ph type="title"/>
+          </p:nvPr>
+        </p:nvSpPr>
+        <p:spPr/>
+        <p:txBody>
+          <a:bodyPr/>
+          <a:lstStyle/>
+          <a:p>
+            <a:r>
+              <a:rPr lang="en-GB" dirty="0"/>
+              <a:t>Python : Abstract Base Class </a:t>
+            </a:r>
+            <a:br>
+              <a:rPr lang="en-GB" dirty="0"/>
+            </a:br>
+            <a:r>
+              <a:rPr lang="en-GB" dirty="0"/>
+              <a:t>Meta Commentary</a:t>
+            </a:r>
+          </a:p>
+        </p:txBody>
+      </p:sp>
+      <p:sp>
+        <p:nvSpPr>
+          <p:cNvPr id="4" name="Content Placeholder 2">
+            <a:extLst>
+              <a:ext uri="{FF2B5EF4-FFF2-40B4-BE49-F238E27FC236}">
+                <a16:creationId xmlns:a16="http://schemas.microsoft.com/office/drawing/2014/main" id="{5D6C6E00-DD25-4CD7-AFFE-B24A277D3AD5}"/>
+              </a:ext>
+            </a:extLst>
+          </p:cNvPr>
+          <p:cNvSpPr txBox="1">
+            <a:spLocks/>
+          </p:cNvSpPr>
+          <p:nvPr/>
+        </p:nvSpPr>
+        <p:spPr>
+          <a:xfrm>
+            <a:off x="838200" y="1825625"/>
+            <a:ext cx="10515600" cy="4351338"/>
+          </a:xfrm>
+          <a:prstGeom prst="rect">
+            <a:avLst/>
+          </a:prstGeom>
+        </p:spPr>
+        <p:txBody>
+          <a:bodyPr>
+            <a:normAutofit fontScale="92500" lnSpcReduction="20000"/>
+          </a:bodyPr>
+          <a:lstStyle>
+            <a:lvl1pPr marL="228600" indent="-228600" algn="l" defTabSz="914400" rtl="0" eaLnBrk="1" latinLnBrk="0" hangingPunct="1">
+              <a:lnSpc>
+                <a:spcPct val="90000"/>
+              </a:lnSpc>
+              <a:spcBef>
+                <a:spcPts val="1000"/>
+              </a:spcBef>
+              <a:buFont typeface="Arial" panose="020B0604020202020204" pitchFamily="34" charset="0"/>
+              <a:buChar char="•"/>
+              <a:defRPr sz="2800" kern="1200">
+                <a:solidFill>
+                  <a:schemeClr val="tx1"/>
+                </a:solidFill>
+                <a:latin typeface="+mn-lt"/>
+                <a:ea typeface="+mn-ea"/>
+                <a:cs typeface="+mn-cs"/>
+              </a:defRPr>
+            </a:lvl1pPr>
+            <a:lvl2pPr marL="685800" indent="-228600" algn="l" defTabSz="914400" rtl="0" eaLnBrk="1" latinLnBrk="0" hangingPunct="1">
+              <a:lnSpc>
+                <a:spcPct val="90000"/>
+              </a:lnSpc>
+              <a:spcBef>
+                <a:spcPts val="500"/>
+              </a:spcBef>
+              <a:buFont typeface="Arial" panose="020B0604020202020204" pitchFamily="34" charset="0"/>
+              <a:buChar char="•"/>
+              <a:defRPr sz="2400" kern="1200">
+                <a:solidFill>
+                  <a:schemeClr val="tx1"/>
+                </a:solidFill>
+                <a:latin typeface="+mn-lt"/>
+                <a:ea typeface="+mn-ea"/>
+                <a:cs typeface="+mn-cs"/>
+              </a:defRPr>
+            </a:lvl2pPr>
+            <a:lvl3pPr marL="1143000" indent="-228600" algn="l" defTabSz="914400" rtl="0" eaLnBrk="1" latinLnBrk="0" hangingPunct="1">
+              <a:lnSpc>
+                <a:spcPct val="90000"/>
+              </a:lnSpc>
+              <a:spcBef>
+                <a:spcPts val="500"/>
+              </a:spcBef>
+              <a:buFont typeface="Arial" panose="020B0604020202020204" pitchFamily="34" charset="0"/>
+              <a:buChar char="•"/>
+              <a:defRPr sz="2000" kern="1200">
+                <a:solidFill>
+                  <a:schemeClr val="tx1"/>
+                </a:solidFill>
+                <a:latin typeface="+mn-lt"/>
+                <a:ea typeface="+mn-ea"/>
+                <a:cs typeface="+mn-cs"/>
+              </a:defRPr>
+            </a:lvl3pPr>
+            <a:lvl4pPr marL="1600200" indent="-228600" algn="l" defTabSz="914400" rtl="0" eaLnBrk="1" latinLnBrk="0" hangingPunct="1">
+              <a:lnSpc>
+                <a:spcPct val="90000"/>
+              </a:lnSpc>
+              <a:spcBef>
+                <a:spcPts val="500"/>
+              </a:spcBef>
+              <a:buFont typeface="Arial" panose="020B0604020202020204" pitchFamily="34" charset="0"/>
+              <a:buChar char="•"/>
+              <a:defRPr sz="1800" kern="1200">
+                <a:solidFill>
+                  <a:schemeClr val="tx1"/>
+                </a:solidFill>
+                <a:latin typeface="+mn-lt"/>
+                <a:ea typeface="+mn-ea"/>
+                <a:cs typeface="+mn-cs"/>
+              </a:defRPr>
+            </a:lvl4pPr>
+            <a:lvl5pPr marL="2057400" indent="-228600" algn="l" defTabSz="914400" rtl="0" eaLnBrk="1" latinLnBrk="0" hangingPunct="1">
+              <a:lnSpc>
+                <a:spcPct val="90000"/>
+              </a:lnSpc>
+              <a:spcBef>
+                <a:spcPts val="500"/>
+              </a:spcBef>
+              <a:buFont typeface="Arial" panose="020B0604020202020204" pitchFamily="34" charset="0"/>
+              <a:buChar char="•"/>
+              <a:defRPr sz="1800" kern="1200">
+                <a:solidFill>
+                  <a:schemeClr val="tx1"/>
+                </a:solidFill>
+                <a:latin typeface="+mn-lt"/>
+                <a:ea typeface="+mn-ea"/>
+                <a:cs typeface="+mn-cs"/>
+              </a:defRPr>
+            </a:lvl5pPr>
+            <a:lvl6pPr marL="2514600" indent="-228600" algn="l" defTabSz="914400" rtl="0" eaLnBrk="1" latinLnBrk="0" hangingPunct="1">
+              <a:lnSpc>
+                <a:spcPct val="90000"/>
+              </a:lnSpc>
+              <a:spcBef>
+                <a:spcPts val="500"/>
+              </a:spcBef>
+              <a:buFont typeface="Arial" panose="020B0604020202020204" pitchFamily="34" charset="0"/>
+              <a:buChar char="•"/>
+              <a:defRPr sz="1800" kern="1200">
+                <a:solidFill>
+                  <a:schemeClr val="tx1"/>
+                </a:solidFill>
+                <a:latin typeface="+mn-lt"/>
+                <a:ea typeface="+mn-ea"/>
+                <a:cs typeface="+mn-cs"/>
+              </a:defRPr>
+            </a:lvl6pPr>
+            <a:lvl7pPr marL="2971800" indent="-228600" algn="l" defTabSz="914400" rtl="0" eaLnBrk="1" latinLnBrk="0" hangingPunct="1">
+              <a:lnSpc>
+                <a:spcPct val="90000"/>
+              </a:lnSpc>
+              <a:spcBef>
+                <a:spcPts val="500"/>
+              </a:spcBef>
+              <a:buFont typeface="Arial" panose="020B0604020202020204" pitchFamily="34" charset="0"/>
+              <a:buChar char="•"/>
+              <a:defRPr sz="1800" kern="1200">
+                <a:solidFill>
+                  <a:schemeClr val="tx1"/>
+                </a:solidFill>
+                <a:latin typeface="+mn-lt"/>
+                <a:ea typeface="+mn-ea"/>
+                <a:cs typeface="+mn-cs"/>
+              </a:defRPr>
+            </a:lvl7pPr>
+            <a:lvl8pPr marL="3429000" indent="-228600" algn="l" defTabSz="914400" rtl="0" eaLnBrk="1" latinLnBrk="0" hangingPunct="1">
+              <a:lnSpc>
+                <a:spcPct val="90000"/>
+              </a:lnSpc>
+              <a:spcBef>
+                <a:spcPts val="500"/>
+              </a:spcBef>
+              <a:buFont typeface="Arial" panose="020B0604020202020204" pitchFamily="34" charset="0"/>
+              <a:buChar char="•"/>
+              <a:defRPr sz="1800" kern="1200">
+                <a:solidFill>
+                  <a:schemeClr val="tx1"/>
+                </a:solidFill>
+                <a:latin typeface="+mn-lt"/>
+                <a:ea typeface="+mn-ea"/>
+                <a:cs typeface="+mn-cs"/>
+              </a:defRPr>
+            </a:lvl8pPr>
+            <a:lvl9pPr marL="3886200" indent="-228600" algn="l" defTabSz="914400" rtl="0" eaLnBrk="1" latinLnBrk="0" hangingPunct="1">
+              <a:lnSpc>
+                <a:spcPct val="90000"/>
+              </a:lnSpc>
+              <a:spcBef>
+                <a:spcPts val="500"/>
+              </a:spcBef>
+              <a:buFont typeface="Arial" panose="020B0604020202020204" pitchFamily="34" charset="0"/>
+              <a:buChar char="•"/>
+              <a:defRPr sz="1800" kern="1200">
+                <a:solidFill>
+                  <a:schemeClr val="tx1"/>
+                </a:solidFill>
+                <a:latin typeface="+mn-lt"/>
+                <a:ea typeface="+mn-ea"/>
+                <a:cs typeface="+mn-cs"/>
+              </a:defRPr>
+            </a:lvl9pPr>
+          </a:lstStyle>
+          <a:p>
+            <a:pPr marL="0" indent="0">
+              <a:buNone/>
+            </a:pPr>
+            <a:r>
+              <a:rPr lang="en-GB" dirty="0"/>
+              <a:t>Aka for example…</a:t>
+            </a:r>
+            <a:br>
+              <a:rPr lang="en-GB" dirty="0"/>
+            </a:br>
+            <a:br>
+              <a:rPr lang="en-GB" dirty="0"/>
+            </a:br>
+            <a:r>
+              <a:rPr lang="en-GB" dirty="0"/>
+              <a:t>Say I’m building a Scanning engine that can take multiple tools</a:t>
+            </a:r>
+          </a:p>
+          <a:p>
+            <a:pPr marL="0" indent="0">
+              <a:buNone/>
+            </a:pPr>
+            <a:r>
+              <a:rPr lang="en-GB" dirty="0"/>
+              <a:t>But I want to call the same functions for each tool</a:t>
+            </a:r>
+          </a:p>
+          <a:p>
+            <a:pPr marL="0" indent="0">
+              <a:buNone/>
+            </a:pPr>
+            <a:endParaRPr lang="en-GB" dirty="0"/>
+          </a:p>
+          <a:p>
+            <a:pPr marL="0" indent="0">
+              <a:buNone/>
+            </a:pPr>
+            <a:r>
+              <a:rPr lang="en-GB" dirty="0"/>
+              <a:t>Create </a:t>
+            </a:r>
+            <a:r>
+              <a:rPr lang="en-GB" dirty="0" err="1"/>
+              <a:t>AbstractTool</a:t>
+            </a:r>
+            <a:r>
+              <a:rPr lang="en-GB" dirty="0"/>
+              <a:t> Class with common callable functions</a:t>
+            </a:r>
+          </a:p>
+          <a:p>
+            <a:pPr marL="0" indent="0">
+              <a:buNone/>
+            </a:pPr>
+            <a:endParaRPr lang="en-GB" dirty="0"/>
+          </a:p>
+          <a:p>
+            <a:pPr marL="0" indent="0">
+              <a:buNone/>
+            </a:pPr>
+            <a:r>
+              <a:rPr lang="en-GB" dirty="0"/>
+              <a:t>Implement </a:t>
+            </a:r>
+            <a:r>
+              <a:rPr lang="en-GB" dirty="0" err="1"/>
+              <a:t>AbstractTool</a:t>
+            </a:r>
+            <a:r>
+              <a:rPr lang="en-GB" dirty="0"/>
+              <a:t> as say </a:t>
+            </a:r>
+            <a:r>
+              <a:rPr lang="en-GB" dirty="0" err="1"/>
+              <a:t>BlackDuckTool</a:t>
+            </a:r>
+            <a:r>
+              <a:rPr lang="en-GB" dirty="0"/>
+              <a:t>, </a:t>
+            </a:r>
+            <a:r>
+              <a:rPr lang="en-GB" dirty="0" err="1"/>
+              <a:t>SafetyTool</a:t>
+            </a:r>
+            <a:r>
+              <a:rPr lang="en-GB" dirty="0"/>
+              <a:t> and </a:t>
+            </a:r>
+            <a:r>
+              <a:rPr lang="en-GB" dirty="0" err="1"/>
+              <a:t>CheckmarksTool</a:t>
+            </a:r>
+            <a:endParaRPr lang="en-GB" dirty="0"/>
+          </a:p>
+          <a:p>
+            <a:pPr marL="0" indent="0">
+              <a:buNone/>
+            </a:pPr>
+            <a:endParaRPr lang="en-GB" dirty="0"/>
+          </a:p>
+          <a:p>
+            <a:pPr marL="0" indent="0">
+              <a:buNone/>
+            </a:pPr>
+            <a:r>
+              <a:rPr lang="en-GB" dirty="0"/>
+              <a:t>Then my code can accept </a:t>
+            </a:r>
+            <a:r>
+              <a:rPr lang="en-GB" dirty="0" err="1"/>
+              <a:t>AbstractTool</a:t>
+            </a:r>
+            <a:r>
+              <a:rPr lang="en-GB" dirty="0"/>
+              <a:t> and call the common functions, and each function is finished off in the Final Classes</a:t>
+            </a:r>
+          </a:p>
+        </p:txBody>
+      </p:sp>
+    </p:spTree>
+    <p:extLst>
+      <p:ext uri="{BB962C8B-B14F-4D97-AF65-F5344CB8AC3E}">
+        <p14:creationId xmlns:p14="http://schemas.microsoft.com/office/powerpoint/2010/main" val="2735373476"/>
       </p:ext>
     </p:extLst>
   </p:cSld>
